--- a/Phase 2 - Initalisierung/ID2558_TabinasKenan_Studie_Zwischenmeeting.pptx
+++ b/Phase 2 - Initalisierung/ID2558_TabinasKenan_Studie_Zwischenmeeting.pptx
@@ -2076,7 +2076,7 @@
 <file path=ppt/charts/chart1.xml><?xml version="1.0" encoding="utf-8"?>
 <c:chartSpace xmlns:c="http://schemas.openxmlformats.org/drawingml/2006/chart" xmlns:a="http://schemas.openxmlformats.org/drawingml/2006/main" xmlns:r="http://schemas.openxmlformats.org/officeDocument/2006/relationships" xmlns:c16r2="http://schemas.microsoft.com/office/drawing/2015/06/chart">
   <c:date1904 val="0"/>
-  <c:lang val="de-DE"/>
+  <c:lang val="en-US"/>
   <c:roundedCorners val="0"/>
   <mc:AlternateContent xmlns:mc="http://schemas.openxmlformats.org/markup-compatibility/2006">
     <mc:Choice xmlns:c14="http://schemas.microsoft.com/office/drawing/2007/8/2/chart" Requires="c14">
@@ -3645,7 +3645,7 @@
           <a:p>
             <a:fld id="{BC946081-A7B3-4F45-A178-64B88F90AD25}" type="datetimeFigureOut">
               <a:rPr lang="de-CH" smtClean="0"/>
-              <a:t>30.03.2025</a:t>
+              <a:t>09.06.25</a:t>
             </a:fld>
             <a:endParaRPr lang="de-CH"/>
           </a:p>
@@ -3699,7 +3699,7 @@
           <a:p>
             <a:fld id="{CA3600FD-1130-4B1E-B695-6F175CBA96CD}" type="slidenum">
               <a:rPr lang="de-CH" smtClean="0"/>
-              <a:t>‹Nr.›</a:t>
+              <a:t>‹#›</a:t>
             </a:fld>
             <a:endParaRPr lang="de-CH"/>
           </a:p>
@@ -3845,7 +3845,7 @@
           <a:p>
             <a:fld id="{BC946081-A7B3-4F45-A178-64B88F90AD25}" type="datetimeFigureOut">
               <a:rPr lang="de-CH" smtClean="0"/>
-              <a:t>30.03.2025</a:t>
+              <a:t>09.06.25</a:t>
             </a:fld>
             <a:endParaRPr lang="de-CH"/>
           </a:p>
@@ -3899,7 +3899,7 @@
           <a:p>
             <a:fld id="{CA3600FD-1130-4B1E-B695-6F175CBA96CD}" type="slidenum">
               <a:rPr lang="de-CH" smtClean="0"/>
-              <a:t>‹Nr.›</a:t>
+              <a:t>‹#›</a:t>
             </a:fld>
             <a:endParaRPr lang="de-CH"/>
           </a:p>
@@ -4055,7 +4055,7 @@
           <a:p>
             <a:fld id="{BC946081-A7B3-4F45-A178-64B88F90AD25}" type="datetimeFigureOut">
               <a:rPr lang="de-CH" smtClean="0"/>
-              <a:t>30.03.2025</a:t>
+              <a:t>09.06.25</a:t>
             </a:fld>
             <a:endParaRPr lang="de-CH"/>
           </a:p>
@@ -4109,7 +4109,7 @@
           <a:p>
             <a:fld id="{CA3600FD-1130-4B1E-B695-6F175CBA96CD}" type="slidenum">
               <a:rPr lang="de-CH" smtClean="0"/>
-              <a:t>‹Nr.›</a:t>
+              <a:t>‹#›</a:t>
             </a:fld>
             <a:endParaRPr lang="de-CH"/>
           </a:p>
@@ -4255,7 +4255,7 @@
           <a:p>
             <a:fld id="{BC946081-A7B3-4F45-A178-64B88F90AD25}" type="datetimeFigureOut">
               <a:rPr lang="de-CH" smtClean="0"/>
-              <a:t>30.03.2025</a:t>
+              <a:t>09.06.25</a:t>
             </a:fld>
             <a:endParaRPr lang="de-CH"/>
           </a:p>
@@ -4309,7 +4309,7 @@
           <a:p>
             <a:fld id="{CA3600FD-1130-4B1E-B695-6F175CBA96CD}" type="slidenum">
               <a:rPr lang="de-CH" smtClean="0"/>
-              <a:t>‹Nr.›</a:t>
+              <a:t>‹#›</a:t>
             </a:fld>
             <a:endParaRPr lang="de-CH"/>
           </a:p>
@@ -4531,7 +4531,7 @@
           <a:p>
             <a:fld id="{BC946081-A7B3-4F45-A178-64B88F90AD25}" type="datetimeFigureOut">
               <a:rPr lang="de-CH" smtClean="0"/>
-              <a:t>30.03.2025</a:t>
+              <a:t>09.06.25</a:t>
             </a:fld>
             <a:endParaRPr lang="de-CH"/>
           </a:p>
@@ -4585,7 +4585,7 @@
           <a:p>
             <a:fld id="{CA3600FD-1130-4B1E-B695-6F175CBA96CD}" type="slidenum">
               <a:rPr lang="de-CH" smtClean="0"/>
-              <a:t>‹Nr.›</a:t>
+              <a:t>‹#›</a:t>
             </a:fld>
             <a:endParaRPr lang="de-CH"/>
           </a:p>
@@ -4799,7 +4799,7 @@
           <a:p>
             <a:fld id="{BC946081-A7B3-4F45-A178-64B88F90AD25}" type="datetimeFigureOut">
               <a:rPr lang="de-CH" smtClean="0"/>
-              <a:t>30.03.2025</a:t>
+              <a:t>09.06.25</a:t>
             </a:fld>
             <a:endParaRPr lang="de-CH"/>
           </a:p>
@@ -4853,7 +4853,7 @@
           <a:p>
             <a:fld id="{CA3600FD-1130-4B1E-B695-6F175CBA96CD}" type="slidenum">
               <a:rPr lang="de-CH" smtClean="0"/>
-              <a:t>‹Nr.›</a:t>
+              <a:t>‹#›</a:t>
             </a:fld>
             <a:endParaRPr lang="de-CH"/>
           </a:p>
@@ -5214,7 +5214,7 @@
           <a:p>
             <a:fld id="{BC946081-A7B3-4F45-A178-64B88F90AD25}" type="datetimeFigureOut">
               <a:rPr lang="de-CH" smtClean="0"/>
-              <a:t>30.03.2025</a:t>
+              <a:t>09.06.25</a:t>
             </a:fld>
             <a:endParaRPr lang="de-CH"/>
           </a:p>
@@ -5268,7 +5268,7 @@
           <a:p>
             <a:fld id="{CA3600FD-1130-4B1E-B695-6F175CBA96CD}" type="slidenum">
               <a:rPr lang="de-CH" smtClean="0"/>
-              <a:t>‹Nr.›</a:t>
+              <a:t>‹#›</a:t>
             </a:fld>
             <a:endParaRPr lang="de-CH"/>
           </a:p>
@@ -5356,7 +5356,7 @@
           <a:p>
             <a:fld id="{BC946081-A7B3-4F45-A178-64B88F90AD25}" type="datetimeFigureOut">
               <a:rPr lang="de-CH" smtClean="0"/>
-              <a:t>30.03.2025</a:t>
+              <a:t>09.06.25</a:t>
             </a:fld>
             <a:endParaRPr lang="de-CH"/>
           </a:p>
@@ -5410,7 +5410,7 @@
           <a:p>
             <a:fld id="{CA3600FD-1130-4B1E-B695-6F175CBA96CD}" type="slidenum">
               <a:rPr lang="de-CH" smtClean="0"/>
-              <a:t>‹Nr.›</a:t>
+              <a:t>‹#›</a:t>
             </a:fld>
             <a:endParaRPr lang="de-CH"/>
           </a:p>
@@ -5469,7 +5469,7 @@
           <a:p>
             <a:fld id="{BC946081-A7B3-4F45-A178-64B88F90AD25}" type="datetimeFigureOut">
               <a:rPr lang="de-CH" smtClean="0"/>
-              <a:t>30.03.2025</a:t>
+              <a:t>09.06.25</a:t>
             </a:fld>
             <a:endParaRPr lang="de-CH"/>
           </a:p>
@@ -5523,7 +5523,7 @@
           <a:p>
             <a:fld id="{CA3600FD-1130-4B1E-B695-6F175CBA96CD}" type="slidenum">
               <a:rPr lang="de-CH" smtClean="0"/>
-              <a:t>‹Nr.›</a:t>
+              <a:t>‹#›</a:t>
             </a:fld>
             <a:endParaRPr lang="de-CH"/>
           </a:p>
@@ -5782,7 +5782,7 @@
           <a:p>
             <a:fld id="{BC946081-A7B3-4F45-A178-64B88F90AD25}" type="datetimeFigureOut">
               <a:rPr lang="de-CH" smtClean="0"/>
-              <a:t>30.03.2025</a:t>
+              <a:t>09.06.25</a:t>
             </a:fld>
             <a:endParaRPr lang="de-CH"/>
           </a:p>
@@ -5836,7 +5836,7 @@
           <a:p>
             <a:fld id="{CA3600FD-1130-4B1E-B695-6F175CBA96CD}" type="slidenum">
               <a:rPr lang="de-CH" smtClean="0"/>
-              <a:t>‹Nr.›</a:t>
+              <a:t>‹#›</a:t>
             </a:fld>
             <a:endParaRPr lang="de-CH"/>
           </a:p>
@@ -6071,7 +6071,7 @@
           <a:p>
             <a:fld id="{BC946081-A7B3-4F45-A178-64B88F90AD25}" type="datetimeFigureOut">
               <a:rPr lang="de-CH" smtClean="0"/>
-              <a:t>30.03.2025</a:t>
+              <a:t>09.06.25</a:t>
             </a:fld>
             <a:endParaRPr lang="de-CH"/>
           </a:p>
@@ -6125,7 +6125,7 @@
           <a:p>
             <a:fld id="{CA3600FD-1130-4B1E-B695-6F175CBA96CD}" type="slidenum">
               <a:rPr lang="de-CH" smtClean="0"/>
-              <a:t>‹Nr.›</a:t>
+              <a:t>‹#›</a:t>
             </a:fld>
             <a:endParaRPr lang="de-CH"/>
           </a:p>
@@ -6314,7 +6314,7 @@
           <a:p>
             <a:fld id="{BC946081-A7B3-4F45-A178-64B88F90AD25}" type="datetimeFigureOut">
               <a:rPr lang="de-CH" smtClean="0"/>
-              <a:t>30.03.2025</a:t>
+              <a:t>09.06.25</a:t>
             </a:fld>
             <a:endParaRPr lang="de-CH"/>
           </a:p>
@@ -6404,7 +6404,7 @@
           <a:p>
             <a:fld id="{CA3600FD-1130-4B1E-B695-6F175CBA96CD}" type="slidenum">
               <a:rPr lang="de-CH" smtClean="0"/>
-              <a:t>‹Nr.›</a:t>
+              <a:t>‹#›</a:t>
             </a:fld>
             <a:endParaRPr lang="de-CH"/>
           </a:p>
